--- a/bESTteam32.pptx
+++ b/bESTteam32.pptx
@@ -10,6 +10,7 @@
     <p:sldId id="258" r:id="rId4"/>
     <p:sldId id="259" r:id="rId5"/>
     <p:sldId id="260" r:id="rId6"/>
+    <p:sldId id="261" r:id="rId7"/>
   </p:sldIdLst>
   <p:sldSz cx="12192000" cy="6858000"/>
   <p:notesSz cx="6858000" cy="9144000"/>
@@ -108,6 +109,11 @@
       </a:defRPr>
     </a:lvl9pPr>
   </p:defaultTextStyle>
+  <p:extLst>
+    <p:ext uri="{EFAFB233-063F-42B5-8137-9DF3F51BA10A}">
+      <p15:sldGuideLst xmlns:p15="http://schemas.microsoft.com/office/powerpoint/2012/main"/>
+    </p:ext>
+  </p:extLst>
 </p:presentation>
 </file>
 
@@ -206,7 +212,7 @@
           <a:effectLst/>
           <a:extLst>
             <a:ext uri="{91240B29-F687-4f45-9708-019B960494DF}">
-              <a14:hiddenLine xmlns:a14="http://schemas.microsoft.com/office/drawing/2010/main" xmlns="" w="9525">
+              <a14:hiddenLine xmlns="" xmlns:a14="http://schemas.microsoft.com/office/drawing/2010/main" w="9525">
                 <a:solidFill>
                   <a:srgbClr val="000000"/>
                 </a:solidFill>
@@ -399,7 +405,7 @@
             <a:fld id="{08B9EBBA-996F-894A-B54A-D6246ED52CEA}" type="datetimeFigureOut">
               <a:rPr lang="en-US" dirty="0"/>
               <a:pPr/>
-              <a:t>6/15/19</a:t>
+              <a:t>6/16/19</a:t>
             </a:fld>
             <a:endParaRPr lang="en-US" dirty="0"/>
           </a:p>
@@ -714,7 +720,7 @@
             <a:fld id="{18C79C5D-2A6F-F04D-97DA-BEF2467B64E4}" type="datetimeFigureOut">
               <a:rPr lang="en-US" dirty="0"/>
               <a:pPr/>
-              <a:t>6/15/19</a:t>
+              <a:t>6/16/19</a:t>
             </a:fld>
             <a:endParaRPr lang="en-US" dirty="0"/>
           </a:p>
@@ -1199,7 +1205,7 @@
             <a:fld id="{8DFA1846-DA80-1C48-A609-854EA85C59AD}" type="datetimeFigureOut">
               <a:rPr lang="en-US" dirty="0"/>
               <a:pPr/>
-              <a:t>6/15/19</a:t>
+              <a:t>6/16/19</a:t>
             </a:fld>
             <a:endParaRPr lang="en-US" dirty="0"/>
           </a:p>
@@ -1565,7 +1571,7 @@
             <a:fld id="{FBF54567-0DE4-3F47-BF90-CB84690072F9}" type="datetimeFigureOut">
               <a:rPr lang="en-US" dirty="0"/>
               <a:pPr/>
-              <a:t>6/15/19</a:t>
+              <a:t>6/16/19</a:t>
             </a:fld>
             <a:endParaRPr lang="en-US" dirty="0"/>
           </a:p>
@@ -1716,7 +1722,7 @@
           <a:ln/>
           <a:extLst>
             <a:ext uri="{91240B29-F687-4f45-9708-019B960494DF}">
-              <a14:hiddenLine xmlns:a14="http://schemas.microsoft.com/office/drawing/2010/main" xmlns="" w="9525">
+              <a14:hiddenLine xmlns="" xmlns:a14="http://schemas.microsoft.com/office/drawing/2010/main" w="9525">
                 <a:solidFill>
                   <a:srgbClr val="000000"/>
                 </a:solidFill>
@@ -1835,7 +1841,7 @@
             <a:fld id="{C6C52C72-DE31-F449-A4ED-4C594FD91407}" type="datetimeFigureOut">
               <a:rPr lang="en-US" dirty="0"/>
               <a:pPr/>
-              <a:t>6/15/19</a:t>
+              <a:t>6/16/19</a:t>
             </a:fld>
             <a:endParaRPr lang="en-US" dirty="0"/>
           </a:p>
@@ -1988,7 +1994,7 @@
           <a:ln/>
           <a:extLst>
             <a:ext uri="{91240B29-F687-4f45-9708-019B960494DF}">
-              <a14:hiddenLine xmlns:a14="http://schemas.microsoft.com/office/drawing/2010/main" xmlns="" w="9525">
+              <a14:hiddenLine xmlns="" xmlns:a14="http://schemas.microsoft.com/office/drawing/2010/main" w="9525">
                 <a:solidFill>
                   <a:srgbClr val="000000"/>
                 </a:solidFill>
@@ -2117,7 +2123,7 @@
             <a:fld id="{ED62726E-379B-B349-9EED-81ED093FA806}" type="datetimeFigureOut">
               <a:rPr lang="en-US" dirty="0"/>
               <a:pPr/>
-              <a:t>6/15/19</a:t>
+              <a:t>6/16/19</a:t>
             </a:fld>
             <a:endParaRPr lang="en-US" dirty="0"/>
           </a:p>
@@ -2268,7 +2274,7 @@
           <a:ln/>
           <a:extLst>
             <a:ext uri="{91240B29-F687-4f45-9708-019B960494DF}">
-              <a14:hiddenLine xmlns:a14="http://schemas.microsoft.com/office/drawing/2010/main" xmlns="" w="9525">
+              <a14:hiddenLine xmlns="" xmlns:a14="http://schemas.microsoft.com/office/drawing/2010/main" w="9525">
                 <a:solidFill>
                   <a:srgbClr val="000000"/>
                 </a:solidFill>
@@ -2397,7 +2403,7 @@
             <a:fld id="{9B3A1323-8D79-1946-B0D7-40001CF92E9D}" type="datetimeFigureOut">
               <a:rPr lang="en-US" dirty="0"/>
               <a:pPr/>
-              <a:t>6/15/19</a:t>
+              <a:t>6/16/19</a:t>
             </a:fld>
             <a:endParaRPr lang="en-US" dirty="0"/>
           </a:p>
@@ -2737,7 +2743,7 @@
             <a:fld id="{8DFA1846-DA80-1C48-A609-854EA85C59AD}" type="datetimeFigureOut">
               <a:rPr lang="en-US" dirty="0"/>
               <a:pPr/>
-              <a:t>6/15/19</a:t>
+              <a:t>6/16/19</a:t>
             </a:fld>
             <a:endParaRPr lang="en-US" dirty="0"/>
           </a:p>
@@ -2888,7 +2894,7 @@
           <a:ln/>
           <a:extLst>
             <a:ext uri="{91240B29-F687-4f45-9708-019B960494DF}">
-              <a14:hiddenLine xmlns:a14="http://schemas.microsoft.com/office/drawing/2010/main" xmlns="" w="9525">
+              <a14:hiddenLine xmlns="" xmlns:a14="http://schemas.microsoft.com/office/drawing/2010/main" w="9525">
                 <a:solidFill>
                   <a:srgbClr val="000000"/>
                 </a:solidFill>
@@ -3073,7 +3079,7 @@
             <a:fld id="{57302355-E14B-8545-A8F8-0FE83CC9D524}" type="datetimeFigureOut">
               <a:rPr lang="en-US" dirty="0"/>
               <a:pPr/>
-              <a:t>6/15/19</a:t>
+              <a:t>6/16/19</a:t>
             </a:fld>
             <a:endParaRPr lang="en-US" dirty="0"/>
           </a:p>
@@ -3224,7 +3230,7 @@
           <a:ln/>
           <a:extLst>
             <a:ext uri="{91240B29-F687-4f45-9708-019B960494DF}">
-              <a14:hiddenLine xmlns:a14="http://schemas.microsoft.com/office/drawing/2010/main" xmlns="" w="9525">
+              <a14:hiddenLine xmlns="" xmlns:a14="http://schemas.microsoft.com/office/drawing/2010/main" w="9525">
                 <a:solidFill>
                   <a:srgbClr val="000000"/>
                 </a:solidFill>
@@ -3547,7 +3553,7 @@
             <a:fld id="{02640F58-564D-2B4F-AE67-E407BA4FCF45}" type="datetimeFigureOut">
               <a:rPr lang="en-US" dirty="0"/>
               <a:pPr/>
-              <a:t>6/15/19</a:t>
+              <a:t>6/16/19</a:t>
             </a:fld>
             <a:endParaRPr lang="en-US" dirty="0"/>
           </a:p>
@@ -3698,7 +3704,7 @@
           <a:ln/>
           <a:extLst>
             <a:ext uri="{91240B29-F687-4f45-9708-019B960494DF}">
-              <a14:hiddenLine xmlns:a14="http://schemas.microsoft.com/office/drawing/2010/main" xmlns="" w="9525">
+              <a14:hiddenLine xmlns="" xmlns:a14="http://schemas.microsoft.com/office/drawing/2010/main" w="9525">
                 <a:solidFill>
                   <a:srgbClr val="000000"/>
                 </a:solidFill>
@@ -3765,7 +3771,7 @@
             <a:fld id="{F13A34C8-038E-2045-AF43-DF7DBB8E0E9E}" type="datetimeFigureOut">
               <a:rPr lang="en-US" dirty="0"/>
               <a:pPr/>
-              <a:t>6/15/19</a:t>
+              <a:t>6/16/19</a:t>
             </a:fld>
             <a:endParaRPr lang="en-US" dirty="0"/>
           </a:p>
@@ -3857,7 +3863,7 @@
             <a:fld id="{8818C68F-D26B-8F47-958C-23B49CF8A634}" type="datetimeFigureOut">
               <a:rPr lang="en-US" dirty="0"/>
               <a:pPr/>
-              <a:t>6/15/19</a:t>
+              <a:t>6/16/19</a:t>
             </a:fld>
             <a:endParaRPr lang="en-US" dirty="0"/>
           </a:p>
@@ -4121,7 +4127,7 @@
           <a:ln/>
           <a:extLst>
             <a:ext uri="{91240B29-F687-4f45-9708-019B960494DF}">
-              <a14:hiddenLine xmlns:a14="http://schemas.microsoft.com/office/drawing/2010/main" xmlns="" w="9525">
+              <a14:hiddenLine xmlns="" xmlns:a14="http://schemas.microsoft.com/office/drawing/2010/main" w="9525">
                 <a:solidFill>
                   <a:srgbClr val="000000"/>
                 </a:solidFill>
@@ -4321,7 +4327,7 @@
             <a:fld id="{D0DF5E60-9974-AC48-9591-99C2BB44B7CF}" type="datetimeFigureOut">
               <a:rPr lang="en-US" dirty="0"/>
               <a:pPr/>
-              <a:t>6/15/19</a:t>
+              <a:t>6/16/19</a:t>
             </a:fld>
             <a:endParaRPr lang="en-US" dirty="0"/>
           </a:p>
@@ -4631,7 +4637,7 @@
             <a:fld id="{18C79C5D-2A6F-F04D-97DA-BEF2467B64E4}" type="datetimeFigureOut">
               <a:rPr lang="en-US" dirty="0"/>
               <a:pPr/>
-              <a:t>6/15/19</a:t>
+              <a:t>6/16/19</a:t>
             </a:fld>
             <a:endParaRPr lang="en-US" dirty="0"/>
           </a:p>
@@ -4898,7 +4904,7 @@
             <a:fld id="{09B482E8-6E0E-1B4F-B1FD-C69DB9E858D9}" type="datetimeFigureOut">
               <a:rPr lang="en-US" dirty="0"/>
               <a:pPr/>
-              <a:t>6/15/19</a:t>
+              <a:t>6/16/19</a:t>
             </a:fld>
             <a:endParaRPr lang="en-US" dirty="0"/>
           </a:p>
@@ -5382,7 +5388,11 @@
           <a:bodyPr/>
           <a:lstStyle/>
           <a:p>
-            <a:endParaRPr lang="en-US"/>
+            <a:r>
+              <a:rPr lang="en-US" dirty="0" smtClean="0"/>
+              <a:t>Suitable For Option2 most</a:t>
+            </a:r>
+            <a:endParaRPr lang="en-US" dirty="0"/>
           </a:p>
         </p:txBody>
       </p:sp>
@@ -5521,7 +5531,11 @@
           <a:p>
             <a:r>
               <a:rPr lang="en-US" dirty="0" smtClean="0"/>
-              <a:t>You said no, then do you have a given type</a:t>
+              <a:t>You said no, then do you have a given </a:t>
+            </a:r>
+            <a:r>
+              <a:rPr lang="en-US" dirty="0" smtClean="0"/>
+              <a:t>type?</a:t>
             </a:r>
             <a:endParaRPr lang="en-US" dirty="0"/>
           </a:p>
@@ -5631,7 +5645,6 @@
               <a:rPr lang="en-US" dirty="0"/>
               <a:t>then do you know participants number?</a:t>
             </a:r>
-            <a:endParaRPr lang="en-US" dirty="0"/>
           </a:p>
         </p:txBody>
       </p:sp>
@@ -5747,12 +5760,12 @@
               <a:t>After all questions related to key id number, given type, participants number, price and </a:t>
             </a:r>
             <a:r>
-              <a:rPr lang="en-US" dirty="0" err="1" smtClean="0"/>
-              <a:t>accessibily</a:t>
-            </a:r>
-            <a:r>
               <a:rPr lang="en-US" dirty="0" smtClean="0"/>
-              <a:t> information have been answered, we get the right Query info, then with the help of </a:t>
+              <a:t>accessibility </a:t>
+            </a:r>
+            <a:r>
+              <a:rPr lang="en-US" dirty="0" smtClean="0"/>
+              <a:t>information have been answered, we get the right Query info, then with the help of </a:t>
             </a:r>
             <a:r>
               <a:rPr lang="en-US" dirty="0" err="1" smtClean="0"/>
@@ -5798,6 +5811,709 @@
     <p:extLst>
       <p:ext uri="{BB962C8B-B14F-4D97-AF65-F5344CB8AC3E}">
         <p14:creationId xmlns:p14="http://schemas.microsoft.com/office/powerpoint/2010/main" val="261945526"/>
+      </p:ext>
+    </p:extLst>
+  </p:cSld>
+  <p:clrMapOvr>
+    <a:masterClrMapping/>
+  </p:clrMapOvr>
+</p:sld>
+</file>
+
+<file path=ppt/slides/slide6.xml><?xml version="1.0" encoding="utf-8"?>
+<p:sld xmlns:a="http://schemas.openxmlformats.org/drawingml/2006/main" xmlns:r="http://schemas.openxmlformats.org/officeDocument/2006/relationships" xmlns:p="http://schemas.openxmlformats.org/presentationml/2006/main">
+  <p:cSld>
+    <p:spTree>
+      <p:nvGrpSpPr>
+        <p:cNvPr id="1" name=""/>
+        <p:cNvGrpSpPr/>
+        <p:nvPr/>
+      </p:nvGrpSpPr>
+      <p:grpSpPr>
+        <a:xfrm>
+          <a:off x="0" y="0"/>
+          <a:ext cx="0" cy="0"/>
+          <a:chOff x="0" y="0"/>
+          <a:chExt cx="0" cy="0"/>
+        </a:xfrm>
+      </p:grpSpPr>
+      <p:sp>
+        <p:nvSpPr>
+          <p:cNvPr id="2" name="Title 1"/>
+          <p:cNvSpPr>
+            <a:spLocks noGrp="1"/>
+          </p:cNvSpPr>
+          <p:nvPr>
+            <p:ph type="title"/>
+          </p:nvPr>
+        </p:nvSpPr>
+        <p:spPr/>
+        <p:txBody>
+          <a:bodyPr/>
+          <a:lstStyle/>
+          <a:p>
+            <a:r>
+              <a:rPr lang="en-US" dirty="0" smtClean="0"/>
+              <a:t>Flow chart</a:t>
+            </a:r>
+            <a:endParaRPr lang="en-US" dirty="0"/>
+          </a:p>
+        </p:txBody>
+      </p:sp>
+      <p:sp>
+        <p:nvSpPr>
+          <p:cNvPr id="5" name="TextBox 4"/>
+          <p:cNvSpPr txBox="1"/>
+          <p:nvPr/>
+        </p:nvSpPr>
+        <p:spPr>
+          <a:xfrm>
+            <a:off x="3872090" y="2370667"/>
+            <a:ext cx="3397954" cy="369332"/>
+          </a:xfrm>
+          <a:prstGeom prst="rect">
+            <a:avLst/>
+          </a:prstGeom>
+          <a:noFill/>
+        </p:spPr>
+        <p:txBody>
+          <a:bodyPr wrap="square" rtlCol="0">
+            <a:spAutoFit/>
+          </a:bodyPr>
+          <a:lstStyle/>
+          <a:p>
+            <a:pPr algn="r"/>
+            <a:r>
+              <a:rPr lang="en-US" dirty="0" smtClean="0"/>
+              <a:t>Do you know attribute 1?</a:t>
+            </a:r>
+            <a:endParaRPr lang="en-US" dirty="0"/>
+          </a:p>
+        </p:txBody>
+      </p:sp>
+      <p:sp>
+        <p:nvSpPr>
+          <p:cNvPr id="6" name="TextBox 5"/>
+          <p:cNvSpPr txBox="1"/>
+          <p:nvPr/>
+        </p:nvSpPr>
+        <p:spPr>
+          <a:xfrm>
+            <a:off x="2449690" y="3138311"/>
+            <a:ext cx="2009422" cy="369332"/>
+          </a:xfrm>
+          <a:prstGeom prst="rect">
+            <a:avLst/>
+          </a:prstGeom>
+          <a:noFill/>
+        </p:spPr>
+        <p:txBody>
+          <a:bodyPr wrap="square" rtlCol="0">
+            <a:spAutoFit/>
+          </a:bodyPr>
+          <a:lstStyle/>
+          <a:p>
+            <a:r>
+              <a:rPr lang="en-US" smtClean="0"/>
+              <a:t>Yes(Enter 1)</a:t>
+            </a:r>
+            <a:endParaRPr lang="en-US"/>
+          </a:p>
+        </p:txBody>
+      </p:sp>
+      <p:sp>
+        <p:nvSpPr>
+          <p:cNvPr id="7" name="TextBox 6"/>
+          <p:cNvSpPr txBox="1"/>
+          <p:nvPr/>
+        </p:nvSpPr>
+        <p:spPr>
+          <a:xfrm>
+            <a:off x="6604000" y="3138311"/>
+            <a:ext cx="1693333" cy="369332"/>
+          </a:xfrm>
+          <a:prstGeom prst="rect">
+            <a:avLst/>
+          </a:prstGeom>
+          <a:noFill/>
+        </p:spPr>
+        <p:txBody>
+          <a:bodyPr wrap="square" rtlCol="0">
+            <a:spAutoFit/>
+          </a:bodyPr>
+          <a:lstStyle/>
+          <a:p>
+            <a:r>
+              <a:rPr lang="en-US" dirty="0" smtClean="0"/>
+              <a:t>No(Enter 0)</a:t>
+            </a:r>
+            <a:endParaRPr lang="en-US" dirty="0"/>
+          </a:p>
+        </p:txBody>
+      </p:sp>
+      <p:sp>
+        <p:nvSpPr>
+          <p:cNvPr id="8" name="TextBox 7"/>
+          <p:cNvSpPr txBox="1"/>
+          <p:nvPr/>
+        </p:nvSpPr>
+        <p:spPr>
+          <a:xfrm>
+            <a:off x="2551289" y="3962400"/>
+            <a:ext cx="1794933" cy="646331"/>
+          </a:xfrm>
+          <a:prstGeom prst="rect">
+            <a:avLst/>
+          </a:prstGeom>
+          <a:noFill/>
+        </p:spPr>
+        <p:txBody>
+          <a:bodyPr wrap="square" rtlCol="0">
+            <a:spAutoFit/>
+          </a:bodyPr>
+          <a:lstStyle/>
+          <a:p>
+            <a:r>
+              <a:rPr lang="en-US" dirty="0" smtClean="0"/>
+              <a:t>Enter value for </a:t>
+            </a:r>
+            <a:r>
+              <a:rPr lang="en-US" smtClean="0"/>
+              <a:t>this attribute</a:t>
+            </a:r>
+            <a:endParaRPr lang="en-US"/>
+          </a:p>
+        </p:txBody>
+      </p:sp>
+      <p:cxnSp>
+        <p:nvCxnSpPr>
+          <p:cNvPr id="10" name="Straight Arrow Connector 9"/>
+          <p:cNvCxnSpPr/>
+          <p:nvPr/>
+        </p:nvCxnSpPr>
+        <p:spPr>
+          <a:xfrm>
+            <a:off x="3273778" y="4608731"/>
+            <a:ext cx="0" cy="832513"/>
+          </a:xfrm>
+          <a:prstGeom prst="straightConnector1">
+            <a:avLst/>
+          </a:prstGeom>
+          <a:ln>
+            <a:tailEnd type="triangle"/>
+          </a:ln>
+        </p:spPr>
+        <p:style>
+          <a:lnRef idx="1">
+            <a:schemeClr val="accent1"/>
+          </a:lnRef>
+          <a:fillRef idx="0">
+            <a:schemeClr val="accent1"/>
+          </a:fillRef>
+          <a:effectRef idx="0">
+            <a:schemeClr val="accent1"/>
+          </a:effectRef>
+          <a:fontRef idx="minor">
+            <a:schemeClr val="tx1"/>
+          </a:fontRef>
+        </p:style>
+      </p:cxnSp>
+      <p:sp>
+        <p:nvSpPr>
+          <p:cNvPr id="11" name="TextBox 10"/>
+          <p:cNvSpPr txBox="1"/>
+          <p:nvPr/>
+        </p:nvSpPr>
+        <p:spPr>
+          <a:xfrm>
+            <a:off x="2556933" y="5441244"/>
+            <a:ext cx="1433689" cy="646331"/>
+          </a:xfrm>
+          <a:prstGeom prst="rect">
+            <a:avLst/>
+          </a:prstGeom>
+          <a:noFill/>
+        </p:spPr>
+        <p:txBody>
+          <a:bodyPr wrap="square" rtlCol="0">
+            <a:spAutoFit/>
+          </a:bodyPr>
+          <a:lstStyle/>
+          <a:p>
+            <a:r>
+              <a:rPr lang="en-US" dirty="0" smtClean="0"/>
+              <a:t>Is value in the range?</a:t>
+            </a:r>
+            <a:endParaRPr lang="en-US" dirty="0"/>
+          </a:p>
+        </p:txBody>
+      </p:sp>
+      <p:sp>
+        <p:nvSpPr>
+          <p:cNvPr id="12" name="TextBox 11"/>
+          <p:cNvSpPr txBox="1"/>
+          <p:nvPr/>
+        </p:nvSpPr>
+        <p:spPr>
+          <a:xfrm>
+            <a:off x="3448755" y="6273757"/>
+            <a:ext cx="1614311" cy="646331"/>
+          </a:xfrm>
+          <a:prstGeom prst="rect">
+            <a:avLst/>
+          </a:prstGeom>
+          <a:noFill/>
+        </p:spPr>
+        <p:txBody>
+          <a:bodyPr wrap="square" rtlCol="0">
+            <a:spAutoFit/>
+          </a:bodyPr>
+          <a:lstStyle/>
+          <a:p>
+            <a:r>
+              <a:rPr lang="en-US" dirty="0" smtClean="0"/>
+              <a:t>Yes, return activity</a:t>
+            </a:r>
+            <a:endParaRPr lang="en-US" dirty="0"/>
+          </a:p>
+        </p:txBody>
+      </p:sp>
+      <p:sp>
+        <p:nvSpPr>
+          <p:cNvPr id="13" name="TextBox 12"/>
+          <p:cNvSpPr txBox="1"/>
+          <p:nvPr/>
+        </p:nvSpPr>
+        <p:spPr>
+          <a:xfrm>
+            <a:off x="1061156" y="6273756"/>
+            <a:ext cx="1388534" cy="646331"/>
+          </a:xfrm>
+          <a:prstGeom prst="rect">
+            <a:avLst/>
+          </a:prstGeom>
+          <a:noFill/>
+        </p:spPr>
+        <p:txBody>
+          <a:bodyPr wrap="square" rtlCol="0">
+            <a:spAutoFit/>
+          </a:bodyPr>
+          <a:lstStyle/>
+          <a:p>
+            <a:r>
+              <a:rPr lang="en-US" dirty="0" smtClean="0"/>
+              <a:t>No, give error </a:t>
+            </a:r>
+            <a:r>
+              <a:rPr lang="en-US" dirty="0" err="1" smtClean="0"/>
+              <a:t>infor</a:t>
+            </a:r>
+            <a:endParaRPr lang="en-US" dirty="0"/>
+          </a:p>
+        </p:txBody>
+      </p:sp>
+      <p:cxnSp>
+        <p:nvCxnSpPr>
+          <p:cNvPr id="15" name="Straight Arrow Connector 14"/>
+          <p:cNvCxnSpPr>
+            <a:endCxn id="13" idx="0"/>
+          </p:cNvCxnSpPr>
+          <p:nvPr/>
+        </p:nvCxnSpPr>
+        <p:spPr>
+          <a:xfrm flipH="1">
+            <a:off x="1755423" y="6087575"/>
+            <a:ext cx="1044221" cy="186181"/>
+          </a:xfrm>
+          <a:prstGeom prst="straightConnector1">
+            <a:avLst/>
+          </a:prstGeom>
+          <a:ln>
+            <a:tailEnd type="triangle"/>
+          </a:ln>
+        </p:spPr>
+        <p:style>
+          <a:lnRef idx="1">
+            <a:schemeClr val="accent1"/>
+          </a:lnRef>
+          <a:fillRef idx="0">
+            <a:schemeClr val="accent1"/>
+          </a:fillRef>
+          <a:effectRef idx="0">
+            <a:schemeClr val="accent1"/>
+          </a:effectRef>
+          <a:fontRef idx="minor">
+            <a:schemeClr val="tx1"/>
+          </a:fontRef>
+        </p:style>
+      </p:cxnSp>
+      <p:cxnSp>
+        <p:nvCxnSpPr>
+          <p:cNvPr id="17" name="Straight Arrow Connector 16"/>
+          <p:cNvCxnSpPr/>
+          <p:nvPr/>
+        </p:nvCxnSpPr>
+        <p:spPr>
+          <a:xfrm>
+            <a:off x="3635022" y="6087575"/>
+            <a:ext cx="496711" cy="290647"/>
+          </a:xfrm>
+          <a:prstGeom prst="straightConnector1">
+            <a:avLst/>
+          </a:prstGeom>
+          <a:ln>
+            <a:tailEnd type="triangle"/>
+          </a:ln>
+        </p:spPr>
+        <p:style>
+          <a:lnRef idx="1">
+            <a:schemeClr val="accent1"/>
+          </a:lnRef>
+          <a:fillRef idx="0">
+            <a:schemeClr val="accent1"/>
+          </a:fillRef>
+          <a:effectRef idx="0">
+            <a:schemeClr val="accent1"/>
+          </a:effectRef>
+          <a:fontRef idx="minor">
+            <a:schemeClr val="tx1"/>
+          </a:fontRef>
+        </p:style>
+      </p:cxnSp>
+      <p:cxnSp>
+        <p:nvCxnSpPr>
+          <p:cNvPr id="19" name="Straight Connector 18"/>
+          <p:cNvCxnSpPr>
+            <a:stCxn id="13" idx="1"/>
+          </p:cNvCxnSpPr>
+          <p:nvPr/>
+        </p:nvCxnSpPr>
+        <p:spPr>
+          <a:xfrm flipH="1" flipV="1">
+            <a:off x="474133" y="6596921"/>
+            <a:ext cx="587023" cy="1"/>
+          </a:xfrm>
+          <a:prstGeom prst="line">
+            <a:avLst/>
+          </a:prstGeom>
+        </p:spPr>
+        <p:style>
+          <a:lnRef idx="1">
+            <a:schemeClr val="accent1"/>
+          </a:lnRef>
+          <a:fillRef idx="0">
+            <a:schemeClr val="accent1"/>
+          </a:fillRef>
+          <a:effectRef idx="0">
+            <a:schemeClr val="accent1"/>
+          </a:effectRef>
+          <a:fontRef idx="minor">
+            <a:schemeClr val="tx1"/>
+          </a:fontRef>
+        </p:style>
+      </p:cxnSp>
+      <p:cxnSp>
+        <p:nvCxnSpPr>
+          <p:cNvPr id="23" name="Straight Connector 22"/>
+          <p:cNvCxnSpPr/>
+          <p:nvPr/>
+        </p:nvCxnSpPr>
+        <p:spPr>
+          <a:xfrm flipV="1">
+            <a:off x="474133" y="2555333"/>
+            <a:ext cx="0" cy="4041588"/>
+          </a:xfrm>
+          <a:prstGeom prst="line">
+            <a:avLst/>
+          </a:prstGeom>
+        </p:spPr>
+        <p:style>
+          <a:lnRef idx="1">
+            <a:schemeClr val="accent1"/>
+          </a:lnRef>
+          <a:fillRef idx="0">
+            <a:schemeClr val="accent1"/>
+          </a:fillRef>
+          <a:effectRef idx="0">
+            <a:schemeClr val="accent1"/>
+          </a:effectRef>
+          <a:fontRef idx="minor">
+            <a:schemeClr val="tx1"/>
+          </a:fontRef>
+        </p:style>
+      </p:cxnSp>
+      <p:cxnSp>
+        <p:nvCxnSpPr>
+          <p:cNvPr id="27" name="Straight Arrow Connector 26"/>
+          <p:cNvCxnSpPr/>
+          <p:nvPr/>
+        </p:nvCxnSpPr>
+        <p:spPr>
+          <a:xfrm>
+            <a:off x="474133" y="2555333"/>
+            <a:ext cx="3781777" cy="0"/>
+          </a:xfrm>
+          <a:prstGeom prst="straightConnector1">
+            <a:avLst/>
+          </a:prstGeom>
+          <a:ln>
+            <a:tailEnd type="triangle"/>
+          </a:ln>
+        </p:spPr>
+        <p:style>
+          <a:lnRef idx="1">
+            <a:schemeClr val="accent1"/>
+          </a:lnRef>
+          <a:fillRef idx="0">
+            <a:schemeClr val="accent1"/>
+          </a:fillRef>
+          <a:effectRef idx="0">
+            <a:schemeClr val="accent1"/>
+          </a:effectRef>
+          <a:fontRef idx="minor">
+            <a:schemeClr val="tx1"/>
+          </a:fontRef>
+        </p:style>
+      </p:cxnSp>
+      <p:cxnSp>
+        <p:nvCxnSpPr>
+          <p:cNvPr id="29" name="Straight Arrow Connector 28"/>
+          <p:cNvCxnSpPr/>
+          <p:nvPr/>
+        </p:nvCxnSpPr>
+        <p:spPr>
+          <a:xfrm flipH="1">
+            <a:off x="3149600" y="2739999"/>
+            <a:ext cx="1625600" cy="398312"/>
+          </a:xfrm>
+          <a:prstGeom prst="straightConnector1">
+            <a:avLst/>
+          </a:prstGeom>
+          <a:ln>
+            <a:tailEnd type="triangle"/>
+          </a:ln>
+        </p:spPr>
+        <p:style>
+          <a:lnRef idx="1">
+            <a:schemeClr val="accent1"/>
+          </a:lnRef>
+          <a:fillRef idx="0">
+            <a:schemeClr val="accent1"/>
+          </a:fillRef>
+          <a:effectRef idx="0">
+            <a:schemeClr val="accent1"/>
+          </a:effectRef>
+          <a:fontRef idx="minor">
+            <a:schemeClr val="tx1"/>
+          </a:fontRef>
+        </p:style>
+      </p:cxnSp>
+      <p:cxnSp>
+        <p:nvCxnSpPr>
+          <p:cNvPr id="31" name="Straight Arrow Connector 30"/>
+          <p:cNvCxnSpPr/>
+          <p:nvPr/>
+        </p:nvCxnSpPr>
+        <p:spPr>
+          <a:xfrm>
+            <a:off x="5847644" y="2739999"/>
+            <a:ext cx="1422400" cy="398312"/>
+          </a:xfrm>
+          <a:prstGeom prst="straightConnector1">
+            <a:avLst/>
+          </a:prstGeom>
+          <a:ln>
+            <a:tailEnd type="triangle"/>
+          </a:ln>
+        </p:spPr>
+        <p:style>
+          <a:lnRef idx="1">
+            <a:schemeClr val="accent1"/>
+          </a:lnRef>
+          <a:fillRef idx="0">
+            <a:schemeClr val="accent1"/>
+          </a:fillRef>
+          <a:effectRef idx="0">
+            <a:schemeClr val="accent1"/>
+          </a:effectRef>
+          <a:fontRef idx="minor">
+            <a:schemeClr val="tx1"/>
+          </a:fontRef>
+        </p:style>
+      </p:cxnSp>
+      <p:cxnSp>
+        <p:nvCxnSpPr>
+          <p:cNvPr id="33" name="Straight Arrow Connector 32"/>
+          <p:cNvCxnSpPr/>
+          <p:nvPr/>
+        </p:nvCxnSpPr>
+        <p:spPr>
+          <a:xfrm>
+            <a:off x="3273777" y="3507643"/>
+            <a:ext cx="0" cy="545068"/>
+          </a:xfrm>
+          <a:prstGeom prst="straightConnector1">
+            <a:avLst/>
+          </a:prstGeom>
+          <a:ln>
+            <a:tailEnd type="triangle"/>
+          </a:ln>
+        </p:spPr>
+        <p:style>
+          <a:lnRef idx="1">
+            <a:schemeClr val="accent1"/>
+          </a:lnRef>
+          <a:fillRef idx="0">
+            <a:schemeClr val="accent1"/>
+          </a:fillRef>
+          <a:effectRef idx="0">
+            <a:schemeClr val="accent1"/>
+          </a:effectRef>
+          <a:fontRef idx="minor">
+            <a:schemeClr val="tx1"/>
+          </a:fontRef>
+        </p:style>
+      </p:cxnSp>
+      <p:sp>
+        <p:nvSpPr>
+          <p:cNvPr id="34" name="TextBox 33"/>
+          <p:cNvSpPr txBox="1"/>
+          <p:nvPr/>
+        </p:nvSpPr>
+        <p:spPr>
+          <a:xfrm>
+            <a:off x="6095999" y="4052711"/>
+            <a:ext cx="3160890" cy="646331"/>
+          </a:xfrm>
+          <a:prstGeom prst="rect">
+            <a:avLst/>
+          </a:prstGeom>
+          <a:noFill/>
+        </p:spPr>
+        <p:txBody>
+          <a:bodyPr wrap="square" rtlCol="0">
+            <a:spAutoFit/>
+          </a:bodyPr>
+          <a:lstStyle/>
+          <a:p>
+            <a:r>
+              <a:rPr lang="en-US" dirty="0" smtClean="0"/>
+              <a:t>You said No, do you know attribute 2?</a:t>
+            </a:r>
+            <a:endParaRPr lang="en-US" dirty="0"/>
+          </a:p>
+        </p:txBody>
+      </p:sp>
+      <p:cxnSp>
+        <p:nvCxnSpPr>
+          <p:cNvPr id="36" name="Straight Arrow Connector 35"/>
+          <p:cNvCxnSpPr/>
+          <p:nvPr/>
+        </p:nvCxnSpPr>
+        <p:spPr>
+          <a:xfrm>
+            <a:off x="7270044" y="3507643"/>
+            <a:ext cx="0" cy="545068"/>
+          </a:xfrm>
+          <a:prstGeom prst="straightConnector1">
+            <a:avLst/>
+          </a:prstGeom>
+          <a:ln>
+            <a:tailEnd type="triangle"/>
+          </a:ln>
+        </p:spPr>
+        <p:style>
+          <a:lnRef idx="1">
+            <a:schemeClr val="accent1"/>
+          </a:lnRef>
+          <a:fillRef idx="0">
+            <a:schemeClr val="accent1"/>
+          </a:fillRef>
+          <a:effectRef idx="0">
+            <a:schemeClr val="accent1"/>
+          </a:effectRef>
+          <a:fontRef idx="minor">
+            <a:schemeClr val="tx1"/>
+          </a:fontRef>
+        </p:style>
+      </p:cxnSp>
+      <p:cxnSp>
+        <p:nvCxnSpPr>
+          <p:cNvPr id="42" name="Elbow Connector 41"/>
+          <p:cNvCxnSpPr>
+            <a:stCxn id="34" idx="1"/>
+          </p:cNvCxnSpPr>
+          <p:nvPr/>
+        </p:nvCxnSpPr>
+        <p:spPr>
+          <a:xfrm rot="10800000">
+            <a:off x="4131733" y="3322977"/>
+            <a:ext cx="1964266" cy="1052900"/>
+          </a:xfrm>
+          <a:prstGeom prst="bentConnector3">
+            <a:avLst/>
+          </a:prstGeom>
+          <a:ln>
+            <a:tailEnd type="triangle"/>
+          </a:ln>
+        </p:spPr>
+        <p:style>
+          <a:lnRef idx="3">
+            <a:schemeClr val="accent6"/>
+          </a:lnRef>
+          <a:fillRef idx="0">
+            <a:schemeClr val="accent6"/>
+          </a:fillRef>
+          <a:effectRef idx="2">
+            <a:schemeClr val="accent6"/>
+          </a:effectRef>
+          <a:fontRef idx="minor">
+            <a:schemeClr val="tx1"/>
+          </a:fontRef>
+        </p:style>
+      </p:cxnSp>
+      <p:cxnSp>
+        <p:nvCxnSpPr>
+          <p:cNvPr id="46" name="Elbow Connector 45"/>
+          <p:cNvCxnSpPr>
+            <a:stCxn id="34" idx="3"/>
+            <a:endCxn id="7" idx="3"/>
+          </p:cNvCxnSpPr>
+          <p:nvPr/>
+        </p:nvCxnSpPr>
+        <p:spPr>
+          <a:xfrm flipH="1" flipV="1">
+            <a:off x="8297333" y="3322977"/>
+            <a:ext cx="959556" cy="1052900"/>
+          </a:xfrm>
+          <a:prstGeom prst="bentConnector3">
+            <a:avLst>
+              <a:gd name="adj1" fmla="val -23824"/>
+            </a:avLst>
+          </a:prstGeom>
+          <a:ln>
+            <a:tailEnd type="triangle"/>
+          </a:ln>
+        </p:spPr>
+        <p:style>
+          <a:lnRef idx="3">
+            <a:schemeClr val="accent6"/>
+          </a:lnRef>
+          <a:fillRef idx="0">
+            <a:schemeClr val="accent6"/>
+          </a:fillRef>
+          <a:effectRef idx="2">
+            <a:schemeClr val="accent6"/>
+          </a:effectRef>
+          <a:fontRef idx="minor">
+            <a:schemeClr val="tx1"/>
+          </a:fontRef>
+        </p:style>
+      </p:cxnSp>
+    </p:spTree>
+    <p:extLst>
+      <p:ext uri="{BB962C8B-B14F-4D97-AF65-F5344CB8AC3E}">
+        <p14:creationId xmlns:p14="http://schemas.microsoft.com/office/powerpoint/2010/main" val="946316370"/>
       </p:ext>
     </p:extLst>
   </p:cSld>
